--- a/topological-sort/topological-sort.pptx
+++ b/topological-sort/topological-sort.pptx
@@ -233,7 +233,7 @@
           <a:p>
             <a:fld id="{00703CAE-2D25-4EDA-883F-66B70065444C}" type="datetimeFigureOut">
               <a:rPr lang="ko-KR" altLang="en-US" smtClean="0"/>
-              <a:t>2019-02-24</a:t>
+              <a:t>2019-02-25</a:t>
             </a:fld>
             <a:endParaRPr lang="ko-KR" altLang="en-US"/>
           </a:p>
@@ -5021,16 +5021,16 @@
                 <a:cs typeface="Malgun Gothic"/>
                 <a:hlinkClick r:id="rId2"/>
               </a:rPr>
-              <a:t>3665 </a:t>
-            </a:r>
-            <a:r>
-              <a:rPr lang="ko-KR" altLang="en-US" sz="4400" dirty="0">
+              <a:t>2252 </a:t>
+            </a:r>
+            <a:r>
+              <a:rPr lang="ko-KR" altLang="en-US" sz="4400" dirty="0" err="1">
                 <a:latin typeface="Noto Sans CJK KR DemiLight" panose="020B0400000000000000" pitchFamily="34" charset="-127"/>
                 <a:ea typeface="Noto Sans CJK KR DemiLight" panose="020B0400000000000000" pitchFamily="34" charset="-127"/>
                 <a:cs typeface="Malgun Gothic"/>
                 <a:hlinkClick r:id="rId2"/>
               </a:rPr>
-              <a:t>최종 순위</a:t>
+              <a:t>줄세우기</a:t>
             </a:r>
             <a:endParaRPr lang="en-US" altLang="ko-KR" sz="4400" dirty="0">
               <a:latin typeface="Noto Sans CJK KR DemiLight" panose="020B0400000000000000" pitchFamily="34" charset="-127"/>
@@ -5056,16 +5056,16 @@
                 <a:cs typeface="Malgun Gothic"/>
                 <a:hlinkClick r:id="rId3"/>
               </a:rPr>
-              <a:t>2252 </a:t>
-            </a:r>
-            <a:r>
-              <a:rPr lang="ko-KR" altLang="en-US" sz="4400" dirty="0" err="1">
+              <a:t>1776 </a:t>
+            </a:r>
+            <a:r>
+              <a:rPr lang="ko-KR" altLang="en-US" sz="4400" dirty="0">
                 <a:latin typeface="Noto Sans CJK KR DemiLight" panose="020B0400000000000000" pitchFamily="34" charset="-127"/>
                 <a:ea typeface="Noto Sans CJK KR DemiLight" panose="020B0400000000000000" pitchFamily="34" charset="-127"/>
                 <a:cs typeface="Malgun Gothic"/>
                 <a:hlinkClick r:id="rId3"/>
               </a:rPr>
-              <a:t>줄세우기</a:t>
+              <a:t>문제집</a:t>
             </a:r>
             <a:endParaRPr lang="en-US" altLang="ko-KR" sz="4400" dirty="0">
               <a:latin typeface="Noto Sans CJK KR DemiLight" panose="020B0400000000000000" pitchFamily="34" charset="-127"/>
@@ -5089,7 +5089,7 @@
                 <a:latin typeface="Noto Sans CJK KR DemiLight" panose="020B0400000000000000" pitchFamily="34" charset="-127"/>
                 <a:ea typeface="Noto Sans CJK KR DemiLight" panose="020B0400000000000000" pitchFamily="34" charset="-127"/>
                 <a:cs typeface="Malgun Gothic"/>
-                <a:hlinkClick r:id="rId2"/>
+                <a:hlinkClick r:id="rId4"/>
               </a:rPr>
               <a:t>3665 </a:t>
             </a:r>
@@ -5098,7 +5098,7 @@
                 <a:latin typeface="Noto Sans CJK KR DemiLight" panose="020B0400000000000000" pitchFamily="34" charset="-127"/>
                 <a:ea typeface="Noto Sans CJK KR DemiLight" panose="020B0400000000000000" pitchFamily="34" charset="-127"/>
                 <a:cs typeface="Malgun Gothic"/>
-                <a:hlinkClick r:id="rId2"/>
+                <a:hlinkClick r:id="rId4"/>
               </a:rPr>
               <a:t>최종 순위</a:t>
             </a:r>
@@ -5124,7 +5124,7 @@
                 <a:latin typeface="Noto Sans CJK KR DemiLight" panose="020B0400000000000000" pitchFamily="34" charset="-127"/>
                 <a:ea typeface="Noto Sans CJK KR DemiLight" panose="020B0400000000000000" pitchFamily="34" charset="-127"/>
                 <a:cs typeface="Malgun Gothic"/>
-                <a:hlinkClick r:id="rId4"/>
+                <a:hlinkClick r:id="rId5"/>
               </a:rPr>
               <a:t>1948 </a:t>
             </a:r>
@@ -5133,7 +5133,7 @@
                 <a:latin typeface="Noto Sans CJK KR DemiLight" panose="020B0400000000000000" pitchFamily="34" charset="-127"/>
                 <a:ea typeface="Noto Sans CJK KR DemiLight" panose="020B0400000000000000" pitchFamily="34" charset="-127"/>
                 <a:cs typeface="Malgun Gothic"/>
-                <a:hlinkClick r:id="rId4"/>
+                <a:hlinkClick r:id="rId5"/>
               </a:rPr>
               <a:t>임계경로</a:t>
             </a:r>
@@ -5159,7 +5159,7 @@
                 <a:latin typeface="Noto Sans CJK KR DemiLight" panose="020B0400000000000000" pitchFamily="34" charset="-127"/>
                 <a:ea typeface="Noto Sans CJK KR DemiLight" panose="020B0400000000000000" pitchFamily="34" charset="-127"/>
                 <a:cs typeface="Malgun Gothic"/>
-                <a:hlinkClick r:id="rId5"/>
+                <a:hlinkClick r:id="rId6"/>
               </a:rPr>
               <a:t>1005 ACM Craft</a:t>
             </a:r>
@@ -5167,7 +5167,7 @@
               <a:latin typeface="Noto Sans CJK KR DemiLight" panose="020B0400000000000000" pitchFamily="34" charset="-127"/>
               <a:ea typeface="Noto Sans CJK KR DemiLight" panose="020B0400000000000000" pitchFamily="34" charset="-127"/>
               <a:cs typeface="Malgun Gothic"/>
-              <a:hlinkClick r:id="rId6"/>
+              <a:hlinkClick r:id="rId7"/>
             </a:endParaRPr>
           </a:p>
         </p:txBody>
@@ -5335,7 +5335,7 @@
                 <a:solidFill>
                   <a:schemeClr val="tx1"/>
                 </a:solidFill>
-                <a:hlinkClick r:id="rId7"/>
+                <a:hlinkClick r:id="rId8"/>
               </a:rPr>
               <a:t>https://github.com/thebarbershop/sogang-acmicpc-2019-winter</a:t>
             </a:r>
